--- a/기획/체스/카드 일람.pptx
+++ b/기획/체스/카드 일람.pptx
@@ -299,7 +299,7 @@
           <a:p>
             <a:fld id="{4E9214C1-2863-45BA-A7C5-D5EA3C3D4C30}" type="datetimeFigureOut">
               <a:rPr lang="ko-KR" altLang="en-US" smtClean="0"/>
-              <a:t>2024-11-13</a:t>
+              <a:t>2024-11-14</a:t>
             </a:fld>
             <a:endParaRPr lang="ko-KR" altLang="en-US"/>
           </a:p>
@@ -464,7 +464,7 @@
           <a:p>
             <a:fld id="{8F563C85-90F6-445D-9B5B-8ABB00FB3043}" type="datetimeFigureOut">
               <a:rPr lang="ko-KR" altLang="en-US" smtClean="0"/>
-              <a:t>2024-11-13</a:t>
+              <a:t>2024-11-14</a:t>
             </a:fld>
             <a:endParaRPr lang="ko-KR" altLang="en-US"/>
           </a:p>
@@ -871,7 +871,7 @@
             </a:pPr>
             <a:fld id="{B9320F77-B9A0-41C5-862A-B4B631284C64}" type="datetime1">
               <a:rPr lang="en-GB" altLang="en-US"/>
-              <a:t>13/11/2024</a:t>
+              <a:t>14/11/2024</a:t>
             </a:fld>
             <a:endParaRPr lang="ko-KR" altLang="en-US"/>
           </a:p>
@@ -1071,7 +1071,7 @@
             </a:pPr>
             <a:fld id="{B9320F77-B9A0-41C5-862A-B4B631284C64}" type="datetime1">
               <a:rPr lang="en-GB" altLang="en-US"/>
-              <a:t>13/11/2024</a:t>
+              <a:t>14/11/2024</a:t>
             </a:fld>
             <a:endParaRPr lang="ko-KR" altLang="en-US"/>
           </a:p>
@@ -1271,7 +1271,7 @@
             </a:pPr>
             <a:fld id="{B9320F77-B9A0-41C5-862A-B4B631284C64}" type="datetime1">
               <a:rPr lang="en-GB" altLang="en-US"/>
-              <a:t>13/11/2024</a:t>
+              <a:t>14/11/2024</a:t>
             </a:fld>
             <a:endParaRPr lang="ko-KR" altLang="en-US"/>
           </a:p>
@@ -1471,7 +1471,7 @@
             </a:pPr>
             <a:fld id="{B9320F77-B9A0-41C5-862A-B4B631284C64}" type="datetime1">
               <a:rPr lang="en-GB" altLang="en-US"/>
-              <a:t>13/11/2024</a:t>
+              <a:t>14/11/2024</a:t>
             </a:fld>
             <a:endParaRPr lang="ko-KR" altLang="en-US"/>
           </a:p>
@@ -1737,7 +1737,7 @@
             </a:pPr>
             <a:fld id="{B9320F77-B9A0-41C5-862A-B4B631284C64}" type="datetime1">
               <a:rPr lang="en-GB" altLang="en-US"/>
-              <a:t>13/11/2024</a:t>
+              <a:t>14/11/2024</a:t>
             </a:fld>
             <a:endParaRPr lang="ko-KR" altLang="en-US"/>
           </a:p>
@@ -1993,7 +1993,7 @@
             </a:pPr>
             <a:fld id="{B9320F77-B9A0-41C5-862A-B4B631284C64}" type="datetime1">
               <a:rPr lang="en-GB" altLang="en-US"/>
-              <a:t>13/11/2024</a:t>
+              <a:t>14/11/2024</a:t>
             </a:fld>
             <a:endParaRPr lang="ko-KR" altLang="en-US"/>
           </a:p>
@@ -2379,7 +2379,7 @@
             </a:pPr>
             <a:fld id="{B9320F77-B9A0-41C5-862A-B4B631284C64}" type="datetime1">
               <a:rPr lang="en-GB" altLang="en-US"/>
-              <a:t>13/11/2024</a:t>
+              <a:t>14/11/2024</a:t>
             </a:fld>
             <a:endParaRPr lang="ko-KR" altLang="en-US"/>
           </a:p>
@@ -2523,7 +2523,7 @@
             </a:pPr>
             <a:fld id="{B9320F77-B9A0-41C5-862A-B4B631284C64}" type="datetime1">
               <a:rPr lang="en-GB" altLang="en-US"/>
-              <a:t>13/11/2024</a:t>
+              <a:t>14/11/2024</a:t>
             </a:fld>
             <a:endParaRPr lang="ko-KR" altLang="en-US"/>
           </a:p>
@@ -2640,7 +2640,7 @@
             </a:pPr>
             <a:fld id="{B9320F77-B9A0-41C5-862A-B4B631284C64}" type="datetime1">
               <a:rPr lang="en-GB" altLang="en-US"/>
-              <a:t>13/11/2024</a:t>
+              <a:t>14/11/2024</a:t>
             </a:fld>
             <a:endParaRPr lang="ko-KR" altLang="en-US"/>
           </a:p>
@@ -2937,7 +2937,7 @@
             </a:pPr>
             <a:fld id="{B9320F77-B9A0-41C5-862A-B4B631284C64}" type="datetime1">
               <a:rPr lang="en-GB" altLang="en-US"/>
-              <a:t>13/11/2024</a:t>
+              <a:t>14/11/2024</a:t>
             </a:fld>
             <a:endParaRPr lang="ko-KR" altLang="en-US"/>
           </a:p>
@@ -3211,7 +3211,7 @@
             </a:pPr>
             <a:fld id="{B9320F77-B9A0-41C5-862A-B4B631284C64}" type="datetime1">
               <a:rPr lang="en-GB" altLang="en-US"/>
-              <a:t>13/11/2024</a:t>
+              <a:t>14/11/2024</a:t>
             </a:fld>
             <a:endParaRPr lang="ko-KR" altLang="en-US"/>
           </a:p>
@@ -3441,7 +3441,7 @@
             </a:pPr>
             <a:fld id="{B9320F77-B9A0-41C5-862A-B4B631284C64}" type="datetime1">
               <a:rPr lang="en-GB" altLang="en-US"/>
-              <a:t>13/11/2024</a:t>
+              <a:t>14/11/2024</a:t>
             </a:fld>
             <a:endParaRPr lang="ko-KR" altLang="en-US"/>
           </a:p>
@@ -8969,7 +8969,7 @@
         </p:blipFill>
         <p:spPr>
           <a:xfrm>
-            <a:off x="1204417" y="2388341"/>
+            <a:off x="1298042" y="1412195"/>
             <a:ext cx="4163453" cy="3295834"/>
           </a:xfrm>
           <a:prstGeom prst="rect">
@@ -8991,7 +8991,7 @@
         </p:nvSpPr>
         <p:spPr>
           <a:xfrm>
-            <a:off x="4409804" y="2795713"/>
+            <a:off x="4503429" y="1819567"/>
             <a:ext cx="328359" cy="364206"/>
           </a:xfrm>
           <a:prstGeom prst="rect">
@@ -9043,7 +9043,7 @@
         </p:nvSpPr>
         <p:spPr>
           <a:xfrm>
-            <a:off x="4510753" y="3699652"/>
+            <a:off x="4604378" y="2723506"/>
             <a:ext cx="509511" cy="210867"/>
           </a:xfrm>
           <a:prstGeom prst="rect">
@@ -10247,8 +10247,8 @@
         </p:nvCxnSpPr>
         <p:spPr>
           <a:xfrm flipV="1">
-            <a:off x="4738163" y="1834518"/>
-            <a:ext cx="1357837" cy="1143298"/>
+            <a:off x="4831788" y="1834518"/>
+            <a:ext cx="1264212" cy="167152"/>
           </a:xfrm>
           <a:prstGeom prst="bentConnector3">
             <a:avLst/>
@@ -10292,8 +10292,8 @@
         </p:nvCxnSpPr>
         <p:spPr>
           <a:xfrm rot="16200000" flipH="1">
-            <a:off x="5192570" y="3483457"/>
-            <a:ext cx="476370" cy="1330493"/>
+            <a:off x="4751310" y="3042197"/>
+            <a:ext cx="1452516" cy="1236868"/>
           </a:xfrm>
           <a:prstGeom prst="bentConnector2">
             <a:avLst/>
@@ -10387,9 +10387,218 @@
               <a:rPr lang="ko-KR" altLang="en-US" sz="2400" dirty="0"/>
               <a:t>설명</a:t>
             </a:r>
+            <a:r>
+              <a:rPr lang="en-US" altLang="ko-KR" sz="2400" dirty="0"/>
+              <a:t>(</a:t>
+            </a:r>
+            <a:r>
+              <a:rPr lang="ko-KR" altLang="en-US" sz="2400" dirty="0"/>
+              <a:t>카드 추가 표기 정보</a:t>
+            </a:r>
+            <a:r>
+              <a:rPr lang="en-US" altLang="ko-KR" sz="2400" dirty="0"/>
+              <a:t>)</a:t>
+            </a:r>
           </a:p>
         </p:txBody>
       </p:sp>
+      <p:graphicFrame>
+        <p:nvGraphicFramePr>
+          <p:cNvPr id="17" name="표 16">
+            <a:extLst>
+              <a:ext uri="{FF2B5EF4-FFF2-40B4-BE49-F238E27FC236}">
+                <a16:creationId xmlns:a16="http://schemas.microsoft.com/office/drawing/2014/main" id="{AF4073ED-76B7-45C1-88E7-F95BDCEAEF90}"/>
+              </a:ext>
+            </a:extLst>
+          </p:cNvPr>
+          <p:cNvGraphicFramePr>
+            <a:graphicFrameLocks noGrp="1"/>
+          </p:cNvGraphicFramePr>
+          <p:nvPr>
+            <p:extLst>
+              <p:ext uri="{D42A27DB-BD31-4B8C-83A1-F6EECF244321}">
+                <p14:modId xmlns:p14="http://schemas.microsoft.com/office/powerpoint/2010/main" val="299439119"/>
+              </p:ext>
+            </p:extLst>
+          </p:nvPr>
+        </p:nvGraphicFramePr>
+        <p:xfrm>
+          <a:off x="695324" y="5198317"/>
+          <a:ext cx="5400678" cy="1036320"/>
+        </p:xfrm>
+        <a:graphic>
+          <a:graphicData uri="http://schemas.openxmlformats.org/drawingml/2006/table">
+            <a:tbl>
+              <a:tblPr firstRow="1" bandRow="1">
+                <a:tableStyleId>{5C22544A-7EE6-4342-B048-85BDC9FD1C3A}</a:tableStyleId>
+              </a:tblPr>
+              <a:tblGrid>
+                <a:gridCol w="5400678">
+                  <a:extLst>
+                    <a:ext uri="{9D8B030D-6E8A-4147-A177-3AD203B41FA5}">
+                      <a16:colId xmlns:a16="http://schemas.microsoft.com/office/drawing/2014/main" val="2619519810"/>
+                    </a:ext>
+                  </a:extLst>
+                </a:gridCol>
+              </a:tblGrid>
+              <a:tr h="0">
+                <a:tc>
+                  <a:txBody>
+                    <a:bodyPr/>
+                    <a:lstStyle/>
+                    <a:p>
+                      <a:pPr latinLnBrk="1"/>
+                      <a:r>
+                        <a:rPr lang="ko-KR" altLang="en-US" sz="1400" b="0" dirty="0">
+                          <a:solidFill>
+                            <a:schemeClr val="tx1"/>
+                          </a:solidFill>
+                        </a:rPr>
+                        <a:t>기획 의도</a:t>
+                      </a:r>
+                    </a:p>
+                  </a:txBody>
+                  <a:tcPr>
+                    <a:lnL w="12700" cmpd="sng">
+                      <a:noFill/>
+                    </a:lnL>
+                    <a:lnR w="12700" cmpd="sng">
+                      <a:noFill/>
+                    </a:lnR>
+                    <a:lnT w="12700" cap="flat" cmpd="sng" algn="ctr">
+                      <a:noFill/>
+                      <a:prstDash val="solid"/>
+                      <a:round/>
+                      <a:headEnd type="none" w="med" len="med"/>
+                      <a:tailEnd type="none" w="med" len="med"/>
+                    </a:lnT>
+                    <a:lnB w="12700" cap="flat" cmpd="sng" algn="ctr">
+                      <a:solidFill>
+                        <a:schemeClr val="tx1"/>
+                      </a:solidFill>
+                      <a:prstDash val="solid"/>
+                      <a:round/>
+                      <a:headEnd type="none" w="med" len="med"/>
+                      <a:tailEnd type="none" w="med" len="med"/>
+                    </a:lnB>
+                    <a:lnTlToBr w="12700" cmpd="sng">
+                      <a:noFill/>
+                      <a:prstDash val="solid"/>
+                    </a:lnTlToBr>
+                    <a:lnBlToTr w="12700" cmpd="sng">
+                      <a:noFill/>
+                      <a:prstDash val="solid"/>
+                    </a:lnBlToTr>
+                    <a:noFill/>
+                  </a:tcPr>
+                </a:tc>
+                <a:extLst>
+                  <a:ext uri="{0D108BD9-81ED-4DB2-BD59-A6C34878D82A}">
+                    <a16:rowId xmlns:a16="http://schemas.microsoft.com/office/drawing/2014/main" val="1453759622"/>
+                  </a:ext>
+                </a:extLst>
+              </a:tr>
+              <a:tr h="144358">
+                <a:tc>
+                  <a:txBody>
+                    <a:bodyPr/>
+                    <a:lstStyle/>
+                    <a:p>
+                      <a:pPr marL="0" marR="0" lvl="0" indent="0" algn="l" defTabSz="914400" rtl="0" eaLnBrk="1" fontAlgn="auto" latinLnBrk="1" hangingPunct="1">
+                        <a:lnSpc>
+                          <a:spcPct val="100000"/>
+                        </a:lnSpc>
+                        <a:spcBef>
+                          <a:spcPts val="0"/>
+                        </a:spcBef>
+                        <a:spcAft>
+                          <a:spcPts val="0"/>
+                        </a:spcAft>
+                        <a:buClrTx/>
+                        <a:buSzTx/>
+                        <a:buFontTx/>
+                        <a:buNone/>
+                        <a:tabLst/>
+                        <a:defRPr/>
+                      </a:pPr>
+                      <a:r>
+                        <a:rPr lang="ko-KR" altLang="en-US" sz="1400" b="0" dirty="0">
+                          <a:solidFill>
+                            <a:schemeClr val="tx1"/>
+                          </a:solidFill>
+                        </a:rPr>
+                        <a:t>해당 </a:t>
+                      </a:r>
+                      <a:r>
+                        <a:rPr lang="en-US" altLang="ko-KR" sz="1400" b="0" dirty="0">
+                          <a:solidFill>
+                            <a:schemeClr val="tx1"/>
+                          </a:solidFill>
+                        </a:rPr>
+                        <a:t>UI</a:t>
+                      </a:r>
+                      <a:r>
+                        <a:rPr lang="ko-KR" altLang="en-US" sz="1400" b="0" dirty="0">
+                          <a:solidFill>
+                            <a:schemeClr val="tx1"/>
+                          </a:solidFill>
+                        </a:rPr>
+                        <a:t>는 카드 일람 시스템으로 표기되는 카드의 추가적인 정보를 표기하여 플레이어에게 정보를 더욱 빠르게 전달하기 위해서 기획하였다</a:t>
+                      </a:r>
+                      <a:r>
+                        <a:rPr lang="en-US" altLang="ko-KR" sz="1400" b="0" dirty="0">
+                          <a:solidFill>
+                            <a:schemeClr val="tx1"/>
+                          </a:solidFill>
+                        </a:rPr>
+                        <a:t>.</a:t>
+                      </a:r>
+                    </a:p>
+                  </a:txBody>
+                  <a:tcPr anchor="ctr">
+                    <a:lnL w="12700" cmpd="sng">
+                      <a:noFill/>
+                    </a:lnL>
+                    <a:lnR w="12700" cmpd="sng">
+                      <a:noFill/>
+                    </a:lnR>
+                    <a:lnT w="12700" cap="flat" cmpd="sng" algn="ctr">
+                      <a:solidFill>
+                        <a:schemeClr val="tx1"/>
+                      </a:solidFill>
+                      <a:prstDash val="solid"/>
+                      <a:round/>
+                      <a:headEnd type="none" w="med" len="med"/>
+                      <a:tailEnd type="none" w="med" len="med"/>
+                    </a:lnT>
+                    <a:lnB w="12700" cap="flat" cmpd="sng" algn="ctr">
+                      <a:noFill/>
+                      <a:prstDash val="solid"/>
+                      <a:round/>
+                      <a:headEnd type="none" w="med" len="med"/>
+                      <a:tailEnd type="none" w="med" len="med"/>
+                    </a:lnB>
+                    <a:lnTlToBr w="12700" cmpd="sng">
+                      <a:noFill/>
+                      <a:prstDash val="solid"/>
+                    </a:lnTlToBr>
+                    <a:lnBlToTr w="12700" cmpd="sng">
+                      <a:noFill/>
+                      <a:prstDash val="solid"/>
+                    </a:lnBlToTr>
+                    <a:noFill/>
+                  </a:tcPr>
+                </a:tc>
+                <a:extLst>
+                  <a:ext uri="{0D108BD9-81ED-4DB2-BD59-A6C34878D82A}">
+                    <a16:rowId xmlns:a16="http://schemas.microsoft.com/office/drawing/2014/main" val="824188820"/>
+                  </a:ext>
+                </a:extLst>
+              </a:tr>
+            </a:tbl>
+          </a:graphicData>
+        </a:graphic>
+      </p:graphicFrame>
     </p:spTree>
     <p:extLst>
       <p:ext uri="{BB962C8B-B14F-4D97-AF65-F5344CB8AC3E}">

--- a/기획/체스/카드 일람.pptx
+++ b/기획/체스/카드 일람.pptx
@@ -299,7 +299,7 @@
           <a:p>
             <a:fld id="{4E9214C1-2863-45BA-A7C5-D5EA3C3D4C30}" type="datetimeFigureOut">
               <a:rPr lang="ko-KR" altLang="en-US" smtClean="0"/>
-              <a:t>2024-11-14</a:t>
+              <a:t>2024-12-17</a:t>
             </a:fld>
             <a:endParaRPr lang="ko-KR" altLang="en-US"/>
           </a:p>
@@ -464,7 +464,7 @@
           <a:p>
             <a:fld id="{8F563C85-90F6-445D-9B5B-8ABB00FB3043}" type="datetimeFigureOut">
               <a:rPr lang="ko-KR" altLang="en-US" smtClean="0"/>
-              <a:t>2024-11-14</a:t>
+              <a:t>2024-12-17</a:t>
             </a:fld>
             <a:endParaRPr lang="ko-KR" altLang="en-US"/>
           </a:p>
@@ -871,7 +871,7 @@
             </a:pPr>
             <a:fld id="{B9320F77-B9A0-41C5-862A-B4B631284C64}" type="datetime1">
               <a:rPr lang="en-GB" altLang="en-US"/>
-              <a:t>14/11/2024</a:t>
+              <a:t>17/12/2024</a:t>
             </a:fld>
             <a:endParaRPr lang="ko-KR" altLang="en-US"/>
           </a:p>
@@ -1071,7 +1071,7 @@
             </a:pPr>
             <a:fld id="{B9320F77-B9A0-41C5-862A-B4B631284C64}" type="datetime1">
               <a:rPr lang="en-GB" altLang="en-US"/>
-              <a:t>14/11/2024</a:t>
+              <a:t>17/12/2024</a:t>
             </a:fld>
             <a:endParaRPr lang="ko-KR" altLang="en-US"/>
           </a:p>
@@ -1271,7 +1271,7 @@
             </a:pPr>
             <a:fld id="{B9320F77-B9A0-41C5-862A-B4B631284C64}" type="datetime1">
               <a:rPr lang="en-GB" altLang="en-US"/>
-              <a:t>14/11/2024</a:t>
+              <a:t>17/12/2024</a:t>
             </a:fld>
             <a:endParaRPr lang="ko-KR" altLang="en-US"/>
           </a:p>
@@ -1471,7 +1471,7 @@
             </a:pPr>
             <a:fld id="{B9320F77-B9A0-41C5-862A-B4B631284C64}" type="datetime1">
               <a:rPr lang="en-GB" altLang="en-US"/>
-              <a:t>14/11/2024</a:t>
+              <a:t>17/12/2024</a:t>
             </a:fld>
             <a:endParaRPr lang="ko-KR" altLang="en-US"/>
           </a:p>
@@ -1737,7 +1737,7 @@
             </a:pPr>
             <a:fld id="{B9320F77-B9A0-41C5-862A-B4B631284C64}" type="datetime1">
               <a:rPr lang="en-GB" altLang="en-US"/>
-              <a:t>14/11/2024</a:t>
+              <a:t>17/12/2024</a:t>
             </a:fld>
             <a:endParaRPr lang="ko-KR" altLang="en-US"/>
           </a:p>
@@ -1993,7 +1993,7 @@
             </a:pPr>
             <a:fld id="{B9320F77-B9A0-41C5-862A-B4B631284C64}" type="datetime1">
               <a:rPr lang="en-GB" altLang="en-US"/>
-              <a:t>14/11/2024</a:t>
+              <a:t>17/12/2024</a:t>
             </a:fld>
             <a:endParaRPr lang="ko-KR" altLang="en-US"/>
           </a:p>
@@ -2379,7 +2379,7 @@
             </a:pPr>
             <a:fld id="{B9320F77-B9A0-41C5-862A-B4B631284C64}" type="datetime1">
               <a:rPr lang="en-GB" altLang="en-US"/>
-              <a:t>14/11/2024</a:t>
+              <a:t>17/12/2024</a:t>
             </a:fld>
             <a:endParaRPr lang="ko-KR" altLang="en-US"/>
           </a:p>
@@ -2523,7 +2523,7 @@
             </a:pPr>
             <a:fld id="{B9320F77-B9A0-41C5-862A-B4B631284C64}" type="datetime1">
               <a:rPr lang="en-GB" altLang="en-US"/>
-              <a:t>14/11/2024</a:t>
+              <a:t>17/12/2024</a:t>
             </a:fld>
             <a:endParaRPr lang="ko-KR" altLang="en-US"/>
           </a:p>
@@ -2640,7 +2640,7 @@
             </a:pPr>
             <a:fld id="{B9320F77-B9A0-41C5-862A-B4B631284C64}" type="datetime1">
               <a:rPr lang="en-GB" altLang="en-US"/>
-              <a:t>14/11/2024</a:t>
+              <a:t>17/12/2024</a:t>
             </a:fld>
             <a:endParaRPr lang="ko-KR" altLang="en-US"/>
           </a:p>
@@ -2937,7 +2937,7 @@
             </a:pPr>
             <a:fld id="{B9320F77-B9A0-41C5-862A-B4B631284C64}" type="datetime1">
               <a:rPr lang="en-GB" altLang="en-US"/>
-              <a:t>14/11/2024</a:t>
+              <a:t>17/12/2024</a:t>
             </a:fld>
             <a:endParaRPr lang="ko-KR" altLang="en-US"/>
           </a:p>
@@ -3211,7 +3211,7 @@
             </a:pPr>
             <a:fld id="{B9320F77-B9A0-41C5-862A-B4B631284C64}" type="datetime1">
               <a:rPr lang="en-GB" altLang="en-US"/>
-              <a:t>14/11/2024</a:t>
+              <a:t>17/12/2024</a:t>
             </a:fld>
             <a:endParaRPr lang="ko-KR" altLang="en-US"/>
           </a:p>
@@ -3441,7 +3441,7 @@
             </a:pPr>
             <a:fld id="{B9320F77-B9A0-41C5-862A-B4B631284C64}" type="datetime1">
               <a:rPr lang="en-GB" altLang="en-US"/>
-              <a:t>14/11/2024</a:t>
+              <a:t>17/12/2024</a:t>
             </a:fld>
             <a:endParaRPr lang="ko-KR" altLang="en-US"/>
           </a:p>
@@ -4199,8 +4199,8 @@
         </p:nvGrpSpPr>
         <p:grpSpPr>
           <a:xfrm>
-            <a:off x="800629" y="2987878"/>
-            <a:ext cx="4447578" cy="2765059"/>
+            <a:off x="1857540" y="3429000"/>
+            <a:ext cx="3664212" cy="2278040"/>
             <a:chOff x="770979" y="2182159"/>
             <a:chExt cx="4847665" cy="3013793"/>
           </a:xfrm>
@@ -4380,8 +4380,8 @@
         </p:nvGrpSpPr>
         <p:grpSpPr>
           <a:xfrm>
-            <a:off x="6859727" y="3752851"/>
-            <a:ext cx="4447578" cy="2630869"/>
+            <a:off x="6670249" y="3357466"/>
+            <a:ext cx="3972038" cy="2349574"/>
             <a:chOff x="6913369" y="2182159"/>
             <a:chExt cx="3865712" cy="2286678"/>
           </a:xfrm>
@@ -4531,18 +4531,20 @@
           </p:cNvPr>
           <p:cNvCxnSpPr>
             <a:cxnSpLocks/>
+            <a:stCxn id="9" idx="2"/>
+            <a:endCxn id="15" idx="1"/>
           </p:cNvCxnSpPr>
           <p:nvPr/>
         </p:nvCxnSpPr>
         <p:spPr>
           <a:xfrm rot="5400000" flipH="1" flipV="1">
-            <a:off x="4072565" y="2050526"/>
-            <a:ext cx="7061" cy="5567261"/>
+            <a:off x="4149758" y="2426688"/>
+            <a:ext cx="633480" cy="4407501"/>
           </a:xfrm>
           <a:prstGeom prst="bentConnector4">
             <a:avLst>
-              <a:gd name="adj1" fmla="val -16187509"/>
-              <a:gd name="adj2" fmla="val 81644"/>
+              <a:gd name="adj1" fmla="val -36086"/>
+              <a:gd name="adj2" fmla="val 81263"/>
             </a:avLst>
           </a:prstGeom>
           <a:ln w="57150">
